--- a/Process book continuation PPT.pptx
+++ b/Process book continuation PPT.pptx
@@ -14,6 +14,13 @@
     <p:sldId id="262" r:id="rId8"/>
     <p:sldId id="263" r:id="rId9"/>
     <p:sldId id="264" r:id="rId10"/>
+    <p:sldId id="265" r:id="rId11"/>
+    <p:sldId id="266" r:id="rId12"/>
+    <p:sldId id="271" r:id="rId13"/>
+    <p:sldId id="272" r:id="rId14"/>
+    <p:sldId id="268" r:id="rId15"/>
+    <p:sldId id="269" r:id="rId16"/>
+    <p:sldId id="270" r:id="rId17"/>
   </p:sldIdLst>
   <p:sldSz cx="9144000" cy="6858000" type="screen4x3"/>
   <p:notesSz cx="6858000" cy="9144000"/>
@@ -358,7 +365,7 @@
             <a:fld id="{1D8BD707-D9CF-40AE-B4C6-C98DA3205C09}" type="datetimeFigureOut">
               <a:rPr lang="en-US" smtClean="0"/>
               <a:pPr/>
-              <a:t>2/16/2020</a:t>
+              <a:t>2/24/2020</a:t>
             </a:fld>
             <a:endParaRPr lang="en-US"/>
           </a:p>
@@ -568,7 +575,7 @@
             <a:fld id="{1D8BD707-D9CF-40AE-B4C6-C98DA3205C09}" type="datetimeFigureOut">
               <a:rPr lang="en-US" smtClean="0"/>
               <a:pPr/>
-              <a:t>2/16/2020</a:t>
+              <a:t>2/24/2020</a:t>
             </a:fld>
             <a:endParaRPr lang="en-US"/>
           </a:p>
@@ -826,7 +833,7 @@
             <a:fld id="{1D8BD707-D9CF-40AE-B4C6-C98DA3205C09}" type="datetimeFigureOut">
               <a:rPr lang="en-US" smtClean="0"/>
               <a:pPr/>
-              <a:t>2/16/2020</a:t>
+              <a:t>2/24/2020</a:t>
             </a:fld>
             <a:endParaRPr lang="en-US"/>
           </a:p>
@@ -998,7 +1005,7 @@
             <a:fld id="{1D8BD707-D9CF-40AE-B4C6-C98DA3205C09}" type="datetimeFigureOut">
               <a:rPr lang="en-US" smtClean="0"/>
               <a:pPr/>
-              <a:t>2/16/2020</a:t>
+              <a:t>2/24/2020</a:t>
             </a:fld>
             <a:endParaRPr lang="en-US"/>
           </a:p>
@@ -1343,7 +1350,7 @@
             <a:fld id="{1D8BD707-D9CF-40AE-B4C6-C98DA3205C09}" type="datetimeFigureOut">
               <a:rPr lang="en-US" smtClean="0"/>
               <a:pPr/>
-              <a:t>2/16/2020</a:t>
+              <a:t>2/24/2020</a:t>
             </a:fld>
             <a:endParaRPr lang="en-US"/>
           </a:p>
@@ -1620,7 +1627,7 @@
             <a:fld id="{1D8BD707-D9CF-40AE-B4C6-C98DA3205C09}" type="datetimeFigureOut">
               <a:rPr lang="en-US" smtClean="0"/>
               <a:pPr/>
-              <a:t>2/16/2020</a:t>
+              <a:t>2/24/2020</a:t>
             </a:fld>
             <a:endParaRPr lang="en-US"/>
           </a:p>
@@ -2001,7 +2008,7 @@
             <a:fld id="{1D8BD707-D9CF-40AE-B4C6-C98DA3205C09}" type="datetimeFigureOut">
               <a:rPr lang="en-US" smtClean="0"/>
               <a:pPr/>
-              <a:t>2/16/2020</a:t>
+              <a:t>2/24/2020</a:t>
             </a:fld>
             <a:endParaRPr lang="en-US"/>
           </a:p>
@@ -2121,7 +2128,7 @@
             <a:fld id="{1D8BD707-D9CF-40AE-B4C6-C98DA3205C09}" type="datetimeFigureOut">
               <a:rPr lang="en-US" smtClean="0"/>
               <a:pPr/>
-              <a:t>2/16/2020</a:t>
+              <a:t>2/24/2020</a:t>
             </a:fld>
             <a:endParaRPr lang="en-US"/>
           </a:p>
@@ -2294,7 +2301,7 @@
             <a:fld id="{1D8BD707-D9CF-40AE-B4C6-C98DA3205C09}" type="datetimeFigureOut">
               <a:rPr lang="en-US" smtClean="0"/>
               <a:pPr/>
-              <a:t>2/16/2020</a:t>
+              <a:t>2/24/2020</a:t>
             </a:fld>
             <a:endParaRPr lang="en-US"/>
           </a:p>
@@ -2650,7 +2657,7 @@
             <a:fld id="{1D8BD707-D9CF-40AE-B4C6-C98DA3205C09}" type="datetimeFigureOut">
               <a:rPr lang="en-US" smtClean="0"/>
               <a:pPr/>
-              <a:t>2/16/2020</a:t>
+              <a:t>2/24/2020</a:t>
             </a:fld>
             <a:endParaRPr lang="en-US"/>
           </a:p>
@@ -3029,7 +3036,7 @@
             <a:fld id="{1D8BD707-D9CF-40AE-B4C6-C98DA3205C09}" type="datetimeFigureOut">
               <a:rPr lang="en-US" smtClean="0"/>
               <a:pPr/>
-              <a:t>2/16/2020</a:t>
+              <a:t>2/24/2020</a:t>
             </a:fld>
             <a:endParaRPr lang="en-US"/>
           </a:p>
@@ -3318,7 +3325,7 @@
             <a:fld id="{1D8BD707-D9CF-40AE-B4C6-C98DA3205C09}" type="datetimeFigureOut">
               <a:rPr lang="en-US" smtClean="0"/>
               <a:pPr/>
-              <a:t>2/16/2020</a:t>
+              <a:t>2/24/2020</a:t>
             </a:fld>
             <a:endParaRPr lang="en-US"/>
           </a:p>
@@ -3969,6 +3976,1522 @@
 </p:sld>
 </file>
 
+<file path=ppt/slides/slide10.xml><?xml version="1.0" encoding="utf-8"?>
+<p:sld xmlns:a="http://schemas.openxmlformats.org/drawingml/2006/main" xmlns:r="http://schemas.openxmlformats.org/officeDocument/2006/relationships" xmlns:p="http://schemas.openxmlformats.org/presentationml/2006/main">
+  <p:cSld>
+    <p:bg>
+      <p:bgPr>
+        <a:solidFill>
+          <a:schemeClr val="bg1"/>
+        </a:solidFill>
+        <a:effectLst/>
+      </p:bgPr>
+    </p:bg>
+    <p:spTree>
+      <p:nvGrpSpPr>
+        <p:cNvPr id="1" name=""/>
+        <p:cNvGrpSpPr/>
+        <p:nvPr/>
+      </p:nvGrpSpPr>
+      <p:grpSpPr>
+        <a:xfrm>
+          <a:off x="0" y="0"/>
+          <a:ext cx="0" cy="0"/>
+          <a:chOff x="0" y="0"/>
+          <a:chExt cx="0" cy="0"/>
+        </a:xfrm>
+      </p:grpSpPr>
+      <p:sp>
+        <p:nvSpPr>
+          <p:cNvPr id="2" name="Title 1">
+            <a:extLst>
+              <a:ext uri="{FF2B5EF4-FFF2-40B4-BE49-F238E27FC236}">
+                <a16:creationId xmlns:a16="http://schemas.microsoft.com/office/drawing/2014/main" id="{817E9E44-1D94-4F6F-B726-EA578A9B2328}"/>
+              </a:ext>
+            </a:extLst>
+          </p:cNvPr>
+          <p:cNvSpPr>
+            <a:spLocks noGrp="1"/>
+          </p:cNvSpPr>
+          <p:nvPr>
+            <p:ph type="title"/>
+          </p:nvPr>
+        </p:nvSpPr>
+        <p:spPr>
+          <a:xfrm>
+            <a:off x="342900" y="594358"/>
+            <a:ext cx="2400300" cy="2834641"/>
+          </a:xfrm>
+        </p:spPr>
+        <p:txBody>
+          <a:bodyPr vert="horz" lIns="91440" tIns="45720" rIns="91440" bIns="45720" rtlCol="0" anchor="b">
+            <a:normAutofit/>
+          </a:bodyPr>
+          <a:lstStyle/>
+          <a:p>
+            <a:r>
+              <a:rPr lang="en-US" sz="3800" dirty="0">
+                <a:solidFill>
+                  <a:srgbClr val="FFFFFF"/>
+                </a:solidFill>
+              </a:rPr>
+              <a:t>GitHub repo commit history</a:t>
+            </a:r>
+          </a:p>
+        </p:txBody>
+      </p:sp>
+      <p:sp>
+        <p:nvSpPr>
+          <p:cNvPr id="25" name="Text Placeholder 24">
+            <a:extLst>
+              <a:ext uri="{FF2B5EF4-FFF2-40B4-BE49-F238E27FC236}">
+                <a16:creationId xmlns:a16="http://schemas.microsoft.com/office/drawing/2014/main" id="{32A5D300-4603-475E-AE34-00676DC8DB2A}"/>
+              </a:ext>
+            </a:extLst>
+          </p:cNvPr>
+          <p:cNvSpPr>
+            <a:spLocks noGrp="1"/>
+          </p:cNvSpPr>
+          <p:nvPr>
+            <p:ph type="body" sz="half" idx="2"/>
+          </p:nvPr>
+        </p:nvSpPr>
+        <p:spPr/>
+        <p:txBody>
+          <a:bodyPr/>
+          <a:lstStyle/>
+          <a:p>
+            <a:endParaRPr lang="en-US" dirty="0"/>
+          </a:p>
+        </p:txBody>
+      </p:sp>
+      <p:pic>
+        <p:nvPicPr>
+          <p:cNvPr id="6" name="Content Placeholder 5" descr="A screenshot of a computer screen&#10;&#10;Description automatically generated">
+            <a:extLst>
+              <a:ext uri="{FF2B5EF4-FFF2-40B4-BE49-F238E27FC236}">
+                <a16:creationId xmlns:a16="http://schemas.microsoft.com/office/drawing/2014/main" id="{EC652984-9B5C-4B3D-BA24-8283DC4DD2B3}"/>
+              </a:ext>
+            </a:extLst>
+          </p:cNvPr>
+          <p:cNvPicPr>
+            <a:picLocks noGrp="1" noChangeAspect="1"/>
+          </p:cNvPicPr>
+          <p:nvPr>
+            <p:ph idx="1"/>
+          </p:nvPr>
+        </p:nvPicPr>
+        <p:blipFill>
+          <a:blip r:embed="rId2">
+            <a:extLst>
+              <a:ext uri="{28A0092B-C50C-407E-A947-70E740481C1C}">
+                <a14:useLocalDpi xmlns:a14="http://schemas.microsoft.com/office/drawing/2010/main" val="0"/>
+              </a:ext>
+            </a:extLst>
+          </a:blip>
+          <a:stretch>
+            <a:fillRect/>
+          </a:stretch>
+        </p:blipFill>
+        <p:spPr>
+          <a:xfrm>
+            <a:off x="3137316" y="1802103"/>
+            <a:ext cx="5990272" cy="2834641"/>
+          </a:xfrm>
+        </p:spPr>
+      </p:pic>
+    </p:spTree>
+    <p:extLst>
+      <p:ext uri="{BB962C8B-B14F-4D97-AF65-F5344CB8AC3E}">
+        <p14:creationId xmlns:p14="http://schemas.microsoft.com/office/powerpoint/2010/main" val="1056720804"/>
+      </p:ext>
+    </p:extLst>
+  </p:cSld>
+  <p:clrMapOvr>
+    <a:masterClrMapping/>
+  </p:clrMapOvr>
+</p:sld>
+</file>
+
+<file path=ppt/slides/slide11.xml><?xml version="1.0" encoding="utf-8"?>
+<p:sld xmlns:a="http://schemas.openxmlformats.org/drawingml/2006/main" xmlns:r="http://schemas.openxmlformats.org/officeDocument/2006/relationships" xmlns:p="http://schemas.openxmlformats.org/presentationml/2006/main">
+  <p:cSld>
+    <p:bg>
+      <p:bgPr>
+        <a:solidFill>
+          <a:schemeClr val="bg1"/>
+        </a:solidFill>
+        <a:effectLst/>
+      </p:bgPr>
+    </p:bg>
+    <p:spTree>
+      <p:nvGrpSpPr>
+        <p:cNvPr id="1" name=""/>
+        <p:cNvGrpSpPr/>
+        <p:nvPr/>
+      </p:nvGrpSpPr>
+      <p:grpSpPr>
+        <a:xfrm>
+          <a:off x="0" y="0"/>
+          <a:ext cx="0" cy="0"/>
+          <a:chOff x="0" y="0"/>
+          <a:chExt cx="0" cy="0"/>
+        </a:xfrm>
+      </p:grpSpPr>
+      <p:sp>
+        <p:nvSpPr>
+          <p:cNvPr id="2" name="Title 1">
+            <a:extLst>
+              <a:ext uri="{FF2B5EF4-FFF2-40B4-BE49-F238E27FC236}">
+                <a16:creationId xmlns:a16="http://schemas.microsoft.com/office/drawing/2014/main" id="{817E9E44-1D94-4F6F-B726-EA578A9B2328}"/>
+              </a:ext>
+            </a:extLst>
+          </p:cNvPr>
+          <p:cNvSpPr>
+            <a:spLocks noGrp="1"/>
+          </p:cNvSpPr>
+          <p:nvPr>
+            <p:ph type="title"/>
+          </p:nvPr>
+        </p:nvSpPr>
+        <p:spPr>
+          <a:xfrm>
+            <a:off x="3296" y="594358"/>
+            <a:ext cx="3120904" cy="2834641"/>
+          </a:xfrm>
+        </p:spPr>
+        <p:txBody>
+          <a:bodyPr vert="horz" lIns="91440" tIns="45720" rIns="91440" bIns="45720" rtlCol="0" anchor="b">
+            <a:normAutofit/>
+          </a:bodyPr>
+          <a:lstStyle/>
+          <a:p>
+            <a:r>
+              <a:rPr lang="en-US" sz="3800" dirty="0">
+                <a:solidFill>
+                  <a:srgbClr val="FFFFFF"/>
+                </a:solidFill>
+              </a:rPr>
+              <a:t>Change document</a:t>
+            </a:r>
+            <a:r>
+              <a:rPr lang="en-US" sz="3800" dirty="0"/>
+              <a:t>a</a:t>
+            </a:r>
+            <a:r>
+              <a:rPr lang="en-US" sz="3800" dirty="0">
+                <a:solidFill>
+                  <a:srgbClr val="FFFFFF"/>
+                </a:solidFill>
+              </a:rPr>
+              <a:t>tion</a:t>
+            </a:r>
+          </a:p>
+        </p:txBody>
+      </p:sp>
+      <p:sp>
+        <p:nvSpPr>
+          <p:cNvPr id="4" name="Content Placeholder 3">
+            <a:extLst>
+              <a:ext uri="{FF2B5EF4-FFF2-40B4-BE49-F238E27FC236}">
+                <a16:creationId xmlns:a16="http://schemas.microsoft.com/office/drawing/2014/main" id="{6FDD6EFD-421F-4C2E-BA2A-8B48607F2F6B}"/>
+              </a:ext>
+            </a:extLst>
+          </p:cNvPr>
+          <p:cNvSpPr>
+            <a:spLocks noGrp="1"/>
+          </p:cNvSpPr>
+          <p:nvPr>
+            <p:ph idx="1"/>
+          </p:nvPr>
+        </p:nvSpPr>
+        <p:spPr>
+          <a:xfrm>
+            <a:off x="3124200" y="152400"/>
+            <a:ext cx="6016504" cy="6858000"/>
+          </a:xfrm>
+        </p:spPr>
+        <p:txBody>
+          <a:bodyPr>
+            <a:normAutofit fontScale="92500" lnSpcReduction="10000"/>
+          </a:bodyPr>
+          <a:lstStyle/>
+          <a:p>
+            <a:pPr>
+              <a:buFont typeface="Wingdings" panose="05000000000000000000" pitchFamily="2" charset="2"/>
+              <a:buChar char="q"/>
+            </a:pPr>
+            <a:r>
+              <a:rPr lang="en-US" dirty="0"/>
+              <a:t>Mobile versions of the </a:t>
+            </a:r>
+            <a:r>
+              <a:rPr lang="en-US" b="1" dirty="0"/>
+              <a:t>home page</a:t>
+            </a:r>
+            <a:r>
+              <a:rPr lang="en-US" dirty="0"/>
+              <a:t> and </a:t>
+            </a:r>
+            <a:r>
+              <a:rPr lang="en-US" b="1" dirty="0"/>
+              <a:t>account page </a:t>
+            </a:r>
+            <a:r>
+              <a:rPr lang="en-US" dirty="0"/>
+              <a:t>have been designed.</a:t>
+            </a:r>
+          </a:p>
+          <a:p>
+            <a:pPr>
+              <a:buFont typeface="Wingdings" panose="05000000000000000000" pitchFamily="2" charset="2"/>
+              <a:buChar char="q"/>
+            </a:pPr>
+            <a:r>
+              <a:rPr lang="en-US" dirty="0"/>
+              <a:t>On the initial sketch, the mobile version of the </a:t>
+            </a:r>
+            <a:r>
+              <a:rPr lang="en-US" b="1" dirty="0"/>
+              <a:t>home page </a:t>
+            </a:r>
+            <a:r>
+              <a:rPr lang="en-US" dirty="0"/>
+              <a:t>did not have a </a:t>
+            </a:r>
+            <a:r>
+              <a:rPr lang="en-US" b="1" dirty="0"/>
+              <a:t>large image</a:t>
+            </a:r>
+            <a:r>
+              <a:rPr lang="en-US" dirty="0"/>
+              <a:t>, a </a:t>
+            </a:r>
+            <a:r>
+              <a:rPr lang="en-US" b="1" dirty="0"/>
+              <a:t>"Welcome!" message</a:t>
+            </a:r>
+            <a:r>
+              <a:rPr lang="en-US" dirty="0"/>
+              <a:t>, or the </a:t>
+            </a:r>
+            <a:r>
+              <a:rPr lang="en-US" b="1" dirty="0"/>
+              <a:t>transportation icons</a:t>
+            </a:r>
+            <a:r>
+              <a:rPr lang="en-US" dirty="0"/>
+              <a:t>. However, I feel that this did not provide enough content above the fold, so they were </a:t>
+            </a:r>
+            <a:r>
+              <a:rPr lang="en-US" b="1" dirty="0"/>
+              <a:t>added back to the design </a:t>
+            </a:r>
+            <a:r>
+              <a:rPr lang="en-US" dirty="0"/>
+              <a:t>without feeling too cluttered.</a:t>
+            </a:r>
+          </a:p>
+          <a:p>
+            <a:pPr>
+              <a:buFont typeface="Wingdings" panose="05000000000000000000" pitchFamily="2" charset="2"/>
+              <a:buChar char="q"/>
+            </a:pPr>
+            <a:r>
+              <a:rPr lang="en-US" dirty="0"/>
+              <a:t>When the mobile version of the </a:t>
+            </a:r>
+            <a:r>
+              <a:rPr lang="en-US" b="1" dirty="0"/>
+              <a:t>home page </a:t>
+            </a:r>
+            <a:r>
+              <a:rPr lang="en-US" dirty="0"/>
+              <a:t>is scrolled down, the modules toward the bottom of the page (</a:t>
+            </a:r>
+            <a:r>
+              <a:rPr lang="en-US" b="1" dirty="0"/>
+              <a:t>About what we do"</a:t>
+            </a:r>
+            <a:r>
+              <a:rPr lang="en-US" dirty="0"/>
+              <a:t> and </a:t>
+            </a:r>
+            <a:r>
+              <a:rPr lang="en-US" b="1" dirty="0"/>
+              <a:t>"More features"</a:t>
+            </a:r>
+            <a:r>
+              <a:rPr lang="en-US" dirty="0"/>
+              <a:t>) include a header, text, and button, but </a:t>
+            </a:r>
+            <a:r>
+              <a:rPr lang="en-US" b="1" dirty="0"/>
+              <a:t>not</a:t>
+            </a:r>
+            <a:r>
+              <a:rPr lang="en-US" dirty="0"/>
+              <a:t> the image from the desktop version.</a:t>
+            </a:r>
+          </a:p>
+          <a:p>
+            <a:pPr>
+              <a:buFont typeface="Wingdings" panose="05000000000000000000" pitchFamily="2" charset="2"/>
+              <a:buChar char="q"/>
+            </a:pPr>
+            <a:r>
+              <a:rPr lang="en-US" dirty="0"/>
+              <a:t>Based on some feedback, the </a:t>
+            </a:r>
+            <a:r>
+              <a:rPr lang="en-US" b="1" dirty="0"/>
+              <a:t>desktop version of the account page</a:t>
+            </a:r>
+            <a:r>
+              <a:rPr lang="en-US" dirty="0"/>
+              <a:t> has been redesigned. The </a:t>
+            </a:r>
+            <a:r>
+              <a:rPr lang="en-US" b="1" dirty="0"/>
+              <a:t>gradient transition </a:t>
+            </a:r>
+            <a:r>
+              <a:rPr lang="en-US" dirty="0"/>
+              <a:t>from the left sidebar to the background fill color has been removed and </a:t>
+            </a:r>
+            <a:r>
+              <a:rPr lang="en-US" b="1" dirty="0"/>
+              <a:t>replaced with a clean break </a:t>
+            </a:r>
+            <a:r>
+              <a:rPr lang="en-US" dirty="0"/>
+              <a:t>between the sidebar and page background. Because of this change, a </a:t>
+            </a:r>
+            <a:r>
+              <a:rPr lang="en-US" b="1" dirty="0"/>
+              <a:t>more neutral gray color </a:t>
+            </a:r>
+            <a:r>
+              <a:rPr lang="en-US" dirty="0"/>
+              <a:t>and </a:t>
+            </a:r>
+            <a:r>
+              <a:rPr lang="en-US" b="1" dirty="0"/>
+              <a:t>black text color </a:t>
+            </a:r>
+            <a:r>
+              <a:rPr lang="en-US" dirty="0"/>
+              <a:t>were chosen for the sidebar.</a:t>
+            </a:r>
+          </a:p>
+          <a:p>
+            <a:pPr>
+              <a:buFont typeface="Wingdings" panose="05000000000000000000" pitchFamily="2" charset="2"/>
+              <a:buChar char="q"/>
+            </a:pPr>
+            <a:r>
+              <a:rPr lang="en-US" dirty="0"/>
+              <a:t>The position and size of the </a:t>
+            </a:r>
+            <a:r>
+              <a:rPr lang="en-US" b="1" dirty="0"/>
+              <a:t>input fields </a:t>
+            </a:r>
+            <a:r>
+              <a:rPr lang="en-US" dirty="0"/>
+              <a:t>on the </a:t>
+            </a:r>
+            <a:r>
+              <a:rPr lang="en-US" b="1" dirty="0"/>
+              <a:t>desktop version of the account page </a:t>
+            </a:r>
+            <a:r>
+              <a:rPr lang="en-US" dirty="0"/>
+              <a:t>have also been rearranged. Smaller text labels are present.</a:t>
+            </a:r>
+          </a:p>
+          <a:p>
+            <a:pPr>
+              <a:buFont typeface="Wingdings" panose="05000000000000000000" pitchFamily="2" charset="2"/>
+              <a:buChar char="q"/>
+            </a:pPr>
+            <a:r>
+              <a:rPr lang="en-US" dirty="0"/>
+              <a:t>The changes to the </a:t>
+            </a:r>
+            <a:r>
+              <a:rPr lang="en-US" b="1" dirty="0"/>
+              <a:t>desktop version of the account page </a:t>
+            </a:r>
+            <a:r>
+              <a:rPr lang="en-US" dirty="0"/>
+              <a:t>have also been incorporated into </a:t>
+            </a:r>
+            <a:r>
+              <a:rPr lang="en-US" b="1" dirty="0"/>
+              <a:t>the mobile version of the account page</a:t>
+            </a:r>
+            <a:r>
+              <a:rPr lang="en-US" dirty="0"/>
+              <a:t>.</a:t>
+            </a:r>
+          </a:p>
+        </p:txBody>
+      </p:sp>
+    </p:spTree>
+    <p:extLst>
+      <p:ext uri="{BB962C8B-B14F-4D97-AF65-F5344CB8AC3E}">
+        <p14:creationId xmlns:p14="http://schemas.microsoft.com/office/powerpoint/2010/main" val="2894435336"/>
+      </p:ext>
+    </p:extLst>
+  </p:cSld>
+  <p:clrMapOvr>
+    <a:masterClrMapping/>
+  </p:clrMapOvr>
+</p:sld>
+</file>
+
+<file path=ppt/slides/slide12.xml><?xml version="1.0" encoding="utf-8"?>
+<p:sld xmlns:a="http://schemas.openxmlformats.org/drawingml/2006/main" xmlns:r="http://schemas.openxmlformats.org/officeDocument/2006/relationships" xmlns:p="http://schemas.openxmlformats.org/presentationml/2006/main">
+  <p:cSld>
+    <p:bg>
+      <p:bgPr>
+        <a:solidFill>
+          <a:schemeClr val="bg1"/>
+        </a:solidFill>
+        <a:effectLst/>
+      </p:bgPr>
+    </p:bg>
+    <p:spTree>
+      <p:nvGrpSpPr>
+        <p:cNvPr id="1" name=""/>
+        <p:cNvGrpSpPr/>
+        <p:nvPr/>
+      </p:nvGrpSpPr>
+      <p:grpSpPr>
+        <a:xfrm>
+          <a:off x="0" y="0"/>
+          <a:ext cx="0" cy="0"/>
+          <a:chOff x="0" y="0"/>
+          <a:chExt cx="0" cy="0"/>
+        </a:xfrm>
+      </p:grpSpPr>
+      <p:sp>
+        <p:nvSpPr>
+          <p:cNvPr id="2" name="Title 1">
+            <a:extLst>
+              <a:ext uri="{FF2B5EF4-FFF2-40B4-BE49-F238E27FC236}">
+                <a16:creationId xmlns:a16="http://schemas.microsoft.com/office/drawing/2014/main" id="{817E9E44-1D94-4F6F-B726-EA578A9B2328}"/>
+              </a:ext>
+            </a:extLst>
+          </p:cNvPr>
+          <p:cNvSpPr>
+            <a:spLocks noGrp="1"/>
+          </p:cNvSpPr>
+          <p:nvPr>
+            <p:ph type="title"/>
+          </p:nvPr>
+        </p:nvSpPr>
+        <p:spPr>
+          <a:xfrm>
+            <a:off x="3296" y="594358"/>
+            <a:ext cx="3120904" cy="2834641"/>
+          </a:xfrm>
+        </p:spPr>
+        <p:txBody>
+          <a:bodyPr vert="horz" lIns="91440" tIns="45720" rIns="91440" bIns="45720" rtlCol="0" anchor="b">
+            <a:normAutofit/>
+          </a:bodyPr>
+          <a:lstStyle/>
+          <a:p>
+            <a:r>
+              <a:rPr lang="en-US" sz="3800" dirty="0">
+                <a:solidFill>
+                  <a:srgbClr val="FFFFFF"/>
+                </a:solidFill>
+              </a:rPr>
+              <a:t>Mobile version sketch – navigation bar and menu</a:t>
+            </a:r>
+          </a:p>
+        </p:txBody>
+      </p:sp>
+      <p:pic>
+        <p:nvPicPr>
+          <p:cNvPr id="8" name="Content Placeholder 7" descr="A close up of text on a white background&#10;&#10;Description automatically generated">
+            <a:extLst>
+              <a:ext uri="{FF2B5EF4-FFF2-40B4-BE49-F238E27FC236}">
+                <a16:creationId xmlns:a16="http://schemas.microsoft.com/office/drawing/2014/main" id="{548FE464-B9FF-422B-A859-03798A7A6234}"/>
+              </a:ext>
+            </a:extLst>
+          </p:cNvPr>
+          <p:cNvPicPr>
+            <a:picLocks noGrp="1" noChangeAspect="1"/>
+          </p:cNvPicPr>
+          <p:nvPr>
+            <p:ph idx="1"/>
+          </p:nvPr>
+        </p:nvPicPr>
+        <p:blipFill>
+          <a:blip r:embed="rId2">
+            <a:extLst>
+              <a:ext uri="{28A0092B-C50C-407E-A947-70E740481C1C}">
+                <a14:useLocalDpi xmlns:a14="http://schemas.microsoft.com/office/drawing/2010/main" val="0"/>
+              </a:ext>
+            </a:extLst>
+          </a:blip>
+          <a:stretch>
+            <a:fillRect/>
+          </a:stretch>
+        </p:blipFill>
+        <p:spPr>
+          <a:xfrm>
+            <a:off x="3543302" y="6953"/>
+            <a:ext cx="4952999" cy="6851047"/>
+          </a:xfrm>
+        </p:spPr>
+      </p:pic>
+    </p:spTree>
+    <p:extLst>
+      <p:ext uri="{BB962C8B-B14F-4D97-AF65-F5344CB8AC3E}">
+        <p14:creationId xmlns:p14="http://schemas.microsoft.com/office/powerpoint/2010/main" val="3900029541"/>
+      </p:ext>
+    </p:extLst>
+  </p:cSld>
+  <p:clrMapOvr>
+    <a:masterClrMapping/>
+  </p:clrMapOvr>
+</p:sld>
+</file>
+
+<file path=ppt/slides/slide13.xml><?xml version="1.0" encoding="utf-8"?>
+<p:sld xmlns:a="http://schemas.openxmlformats.org/drawingml/2006/main" xmlns:r="http://schemas.openxmlformats.org/officeDocument/2006/relationships" xmlns:p="http://schemas.openxmlformats.org/presentationml/2006/main">
+  <p:cSld>
+    <p:bg>
+      <p:bgPr>
+        <a:solidFill>
+          <a:schemeClr val="bg1"/>
+        </a:solidFill>
+        <a:effectLst/>
+      </p:bgPr>
+    </p:bg>
+    <p:spTree>
+      <p:nvGrpSpPr>
+        <p:cNvPr id="1" name=""/>
+        <p:cNvGrpSpPr/>
+        <p:nvPr/>
+      </p:nvGrpSpPr>
+      <p:grpSpPr>
+        <a:xfrm>
+          <a:off x="0" y="0"/>
+          <a:ext cx="0" cy="0"/>
+          <a:chOff x="0" y="0"/>
+          <a:chExt cx="0" cy="0"/>
+        </a:xfrm>
+      </p:grpSpPr>
+      <p:sp>
+        <p:nvSpPr>
+          <p:cNvPr id="2" name="Title 1">
+            <a:extLst>
+              <a:ext uri="{FF2B5EF4-FFF2-40B4-BE49-F238E27FC236}">
+                <a16:creationId xmlns:a16="http://schemas.microsoft.com/office/drawing/2014/main" id="{817E9E44-1D94-4F6F-B726-EA578A9B2328}"/>
+              </a:ext>
+            </a:extLst>
+          </p:cNvPr>
+          <p:cNvSpPr>
+            <a:spLocks noGrp="1"/>
+          </p:cNvSpPr>
+          <p:nvPr>
+            <p:ph type="title"/>
+          </p:nvPr>
+        </p:nvSpPr>
+        <p:spPr>
+          <a:xfrm>
+            <a:off x="3296" y="594358"/>
+            <a:ext cx="3120904" cy="2834641"/>
+          </a:xfrm>
+        </p:spPr>
+        <p:txBody>
+          <a:bodyPr vert="horz" lIns="91440" tIns="45720" rIns="91440" bIns="45720" rtlCol="0" anchor="b">
+            <a:normAutofit/>
+          </a:bodyPr>
+          <a:lstStyle/>
+          <a:p>
+            <a:r>
+              <a:rPr lang="en-US" sz="3800" dirty="0">
+                <a:solidFill>
+                  <a:srgbClr val="FFFFFF"/>
+                </a:solidFill>
+              </a:rPr>
+              <a:t>Mobile version sketch – home page</a:t>
+            </a:r>
+          </a:p>
+        </p:txBody>
+      </p:sp>
+      <p:pic>
+        <p:nvPicPr>
+          <p:cNvPr id="6" name="Content Placeholder 5" descr="A close up of text on a white background&#10;&#10;Description automatically generated">
+            <a:extLst>
+              <a:ext uri="{FF2B5EF4-FFF2-40B4-BE49-F238E27FC236}">
+                <a16:creationId xmlns:a16="http://schemas.microsoft.com/office/drawing/2014/main" id="{C487521B-2BF0-4E1D-A0D9-84F97DA3291A}"/>
+              </a:ext>
+            </a:extLst>
+          </p:cNvPr>
+          <p:cNvPicPr>
+            <a:picLocks noGrp="1" noChangeAspect="1"/>
+          </p:cNvPicPr>
+          <p:nvPr>
+            <p:ph idx="1"/>
+          </p:nvPr>
+        </p:nvPicPr>
+        <p:blipFill>
+          <a:blip r:embed="rId2">
+            <a:extLst>
+              <a:ext uri="{28A0092B-C50C-407E-A947-70E740481C1C}">
+                <a14:useLocalDpi xmlns:a14="http://schemas.microsoft.com/office/drawing/2010/main" val="0"/>
+              </a:ext>
+            </a:extLst>
+          </a:blip>
+          <a:stretch>
+            <a:fillRect/>
+          </a:stretch>
+        </p:blipFill>
+        <p:spPr>
+          <a:xfrm>
+            <a:off x="3050748" y="76199"/>
+            <a:ext cx="6093252" cy="6705600"/>
+          </a:xfrm>
+        </p:spPr>
+      </p:pic>
+    </p:spTree>
+    <p:extLst>
+      <p:ext uri="{BB962C8B-B14F-4D97-AF65-F5344CB8AC3E}">
+        <p14:creationId xmlns:p14="http://schemas.microsoft.com/office/powerpoint/2010/main" val="1067430982"/>
+      </p:ext>
+    </p:extLst>
+  </p:cSld>
+  <p:clrMapOvr>
+    <a:masterClrMapping/>
+  </p:clrMapOvr>
+</p:sld>
+</file>
+
+<file path=ppt/slides/slide14.xml><?xml version="1.0" encoding="utf-8"?>
+<p:sld xmlns:a="http://schemas.openxmlformats.org/drawingml/2006/main" xmlns:r="http://schemas.openxmlformats.org/officeDocument/2006/relationships" xmlns:p="http://schemas.openxmlformats.org/presentationml/2006/main">
+  <p:cSld>
+    <p:bg>
+      <p:bgPr>
+        <a:solidFill>
+          <a:schemeClr val="bg1"/>
+        </a:solidFill>
+        <a:effectLst/>
+      </p:bgPr>
+    </p:bg>
+    <p:spTree>
+      <p:nvGrpSpPr>
+        <p:cNvPr id="1" name=""/>
+        <p:cNvGrpSpPr/>
+        <p:nvPr/>
+      </p:nvGrpSpPr>
+      <p:grpSpPr>
+        <a:xfrm>
+          <a:off x="0" y="0"/>
+          <a:ext cx="0" cy="0"/>
+          <a:chOff x="0" y="0"/>
+          <a:chExt cx="0" cy="0"/>
+        </a:xfrm>
+      </p:grpSpPr>
+      <p:sp>
+        <p:nvSpPr>
+          <p:cNvPr id="2" name="Title 1">
+            <a:extLst>
+              <a:ext uri="{FF2B5EF4-FFF2-40B4-BE49-F238E27FC236}">
+                <a16:creationId xmlns:a16="http://schemas.microsoft.com/office/drawing/2014/main" id="{817E9E44-1D94-4F6F-B726-EA578A9B2328}"/>
+              </a:ext>
+            </a:extLst>
+          </p:cNvPr>
+          <p:cNvSpPr>
+            <a:spLocks noGrp="1"/>
+          </p:cNvSpPr>
+          <p:nvPr>
+            <p:ph type="title"/>
+          </p:nvPr>
+        </p:nvSpPr>
+        <p:spPr>
+          <a:xfrm>
+            <a:off x="3296" y="594358"/>
+            <a:ext cx="3120904" cy="2834641"/>
+          </a:xfrm>
+        </p:spPr>
+        <p:txBody>
+          <a:bodyPr vert="horz" lIns="91440" tIns="45720" rIns="91440" bIns="45720" rtlCol="0" anchor="b">
+            <a:normAutofit/>
+          </a:bodyPr>
+          <a:lstStyle/>
+          <a:p>
+            <a:r>
+              <a:rPr lang="en-US" sz="3800" dirty="0">
+                <a:solidFill>
+                  <a:srgbClr val="FFFFFF"/>
+                </a:solidFill>
+              </a:rPr>
+              <a:t>Home page</a:t>
+            </a:r>
+            <a:br>
+              <a:rPr lang="en-US" sz="3800" dirty="0">
+                <a:solidFill>
+                  <a:srgbClr val="FFFFFF"/>
+                </a:solidFill>
+              </a:rPr>
+            </a:br>
+            <a:r>
+              <a:rPr lang="en-US" sz="3800" dirty="0">
+                <a:solidFill>
+                  <a:srgbClr val="FFFFFF"/>
+                </a:solidFill>
+              </a:rPr>
+              <a:t>mobile version mockups</a:t>
+            </a:r>
+          </a:p>
+        </p:txBody>
+      </p:sp>
+      <p:pic>
+        <p:nvPicPr>
+          <p:cNvPr id="7" name="Content Placeholder 6" descr="A screenshot of a cell phone&#10;&#10;Description automatically generated">
+            <a:extLst>
+              <a:ext uri="{FF2B5EF4-FFF2-40B4-BE49-F238E27FC236}">
+                <a16:creationId xmlns:a16="http://schemas.microsoft.com/office/drawing/2014/main" id="{61645820-638F-48EF-8411-8445CD263E22}"/>
+              </a:ext>
+            </a:extLst>
+          </p:cNvPr>
+          <p:cNvPicPr>
+            <a:picLocks noGrp="1" noChangeAspect="1"/>
+          </p:cNvPicPr>
+          <p:nvPr>
+            <p:ph idx="1"/>
+          </p:nvPr>
+        </p:nvPicPr>
+        <p:blipFill>
+          <a:blip r:embed="rId2" cstate="print">
+            <a:extLst>
+              <a:ext uri="{28A0092B-C50C-407E-A947-70E740481C1C}">
+                <a14:useLocalDpi xmlns:a14="http://schemas.microsoft.com/office/drawing/2010/main" val="0"/>
+              </a:ext>
+            </a:extLst>
+          </a:blip>
+          <a:stretch>
+            <a:fillRect/>
+          </a:stretch>
+        </p:blipFill>
+        <p:spPr>
+          <a:xfrm>
+            <a:off x="3127718" y="380999"/>
+            <a:ext cx="2998940" cy="5943601"/>
+          </a:xfrm>
+        </p:spPr>
+      </p:pic>
+      <p:pic>
+        <p:nvPicPr>
+          <p:cNvPr id="9" name="Picture 8" descr="A screenshot of a cell phone&#10;&#10;Description automatically generated">
+            <a:extLst>
+              <a:ext uri="{FF2B5EF4-FFF2-40B4-BE49-F238E27FC236}">
+                <a16:creationId xmlns:a16="http://schemas.microsoft.com/office/drawing/2014/main" id="{66C0FD19-CE19-478C-B6AC-90D8B178B8C2}"/>
+              </a:ext>
+            </a:extLst>
+          </p:cNvPr>
+          <p:cNvPicPr>
+            <a:picLocks noChangeAspect="1"/>
+          </p:cNvPicPr>
+          <p:nvPr/>
+        </p:nvPicPr>
+        <p:blipFill>
+          <a:blip r:embed="rId3" cstate="print">
+            <a:extLst>
+              <a:ext uri="{28A0092B-C50C-407E-A947-70E740481C1C}">
+                <a14:useLocalDpi xmlns:a14="http://schemas.microsoft.com/office/drawing/2010/main" val="0"/>
+              </a:ext>
+            </a:extLst>
+          </a:blip>
+          <a:stretch>
+            <a:fillRect/>
+          </a:stretch>
+        </p:blipFill>
+        <p:spPr>
+          <a:xfrm>
+            <a:off x="6126658" y="380998"/>
+            <a:ext cx="3005803" cy="5943601"/>
+          </a:xfrm>
+          <a:prstGeom prst="rect">
+            <a:avLst/>
+          </a:prstGeom>
+        </p:spPr>
+      </p:pic>
+    </p:spTree>
+    <p:extLst>
+      <p:ext uri="{BB962C8B-B14F-4D97-AF65-F5344CB8AC3E}">
+        <p14:creationId xmlns:p14="http://schemas.microsoft.com/office/powerpoint/2010/main" val="3925644376"/>
+      </p:ext>
+    </p:extLst>
+  </p:cSld>
+  <p:clrMapOvr>
+    <a:masterClrMapping/>
+  </p:clrMapOvr>
+</p:sld>
+</file>
+
+<file path=ppt/slides/slide15.xml><?xml version="1.0" encoding="utf-8"?>
+<p:sld xmlns:a="http://schemas.openxmlformats.org/drawingml/2006/main" xmlns:r="http://schemas.openxmlformats.org/officeDocument/2006/relationships" xmlns:p="http://schemas.openxmlformats.org/presentationml/2006/main">
+  <p:cSld>
+    <p:bg>
+      <p:bgPr>
+        <a:solidFill>
+          <a:schemeClr val="bg1"/>
+        </a:solidFill>
+        <a:effectLst/>
+      </p:bgPr>
+    </p:bg>
+    <p:spTree>
+      <p:nvGrpSpPr>
+        <p:cNvPr id="1" name=""/>
+        <p:cNvGrpSpPr/>
+        <p:nvPr/>
+      </p:nvGrpSpPr>
+      <p:grpSpPr>
+        <a:xfrm>
+          <a:off x="0" y="0"/>
+          <a:ext cx="0" cy="0"/>
+          <a:chOff x="0" y="0"/>
+          <a:chExt cx="0" cy="0"/>
+        </a:xfrm>
+      </p:grpSpPr>
+      <p:sp>
+        <p:nvSpPr>
+          <p:cNvPr id="2" name="Title 1">
+            <a:extLst>
+              <a:ext uri="{FF2B5EF4-FFF2-40B4-BE49-F238E27FC236}">
+                <a16:creationId xmlns:a16="http://schemas.microsoft.com/office/drawing/2014/main" id="{817E9E44-1D94-4F6F-B726-EA578A9B2328}"/>
+              </a:ext>
+            </a:extLst>
+          </p:cNvPr>
+          <p:cNvSpPr>
+            <a:spLocks noGrp="1"/>
+          </p:cNvSpPr>
+          <p:nvPr>
+            <p:ph type="title"/>
+          </p:nvPr>
+        </p:nvSpPr>
+        <p:spPr>
+          <a:xfrm>
+            <a:off x="3296" y="594358"/>
+            <a:ext cx="3120904" cy="2834641"/>
+          </a:xfrm>
+        </p:spPr>
+        <p:txBody>
+          <a:bodyPr vert="horz" lIns="91440" tIns="45720" rIns="91440" bIns="45720" rtlCol="0" anchor="b">
+            <a:normAutofit/>
+          </a:bodyPr>
+          <a:lstStyle/>
+          <a:p>
+            <a:r>
+              <a:rPr lang="en-US" sz="3800" dirty="0">
+                <a:solidFill>
+                  <a:srgbClr val="FFFFFF"/>
+                </a:solidFill>
+              </a:rPr>
+              <a:t>Active menu and account page mobile version mockups</a:t>
+            </a:r>
+          </a:p>
+        </p:txBody>
+      </p:sp>
+      <p:pic>
+        <p:nvPicPr>
+          <p:cNvPr id="6" name="Content Placeholder 5" descr="A close up of electronics&#10;&#10;Description automatically generated">
+            <a:extLst>
+              <a:ext uri="{FF2B5EF4-FFF2-40B4-BE49-F238E27FC236}">
+                <a16:creationId xmlns:a16="http://schemas.microsoft.com/office/drawing/2014/main" id="{BD20DE21-7EB1-4756-8282-D851A8DD7A19}"/>
+              </a:ext>
+            </a:extLst>
+          </p:cNvPr>
+          <p:cNvPicPr>
+            <a:picLocks noGrp="1" noChangeAspect="1"/>
+          </p:cNvPicPr>
+          <p:nvPr>
+            <p:ph idx="1"/>
+          </p:nvPr>
+        </p:nvPicPr>
+        <p:blipFill>
+          <a:blip r:embed="rId2" cstate="print">
+            <a:extLst>
+              <a:ext uri="{28A0092B-C50C-407E-A947-70E740481C1C}">
+                <a14:useLocalDpi xmlns:a14="http://schemas.microsoft.com/office/drawing/2010/main" val="0"/>
+              </a:ext>
+            </a:extLst>
+          </a:blip>
+          <a:stretch>
+            <a:fillRect/>
+          </a:stretch>
+        </p:blipFill>
+        <p:spPr>
+          <a:xfrm>
+            <a:off x="3100785" y="404446"/>
+            <a:ext cx="3017694" cy="6049106"/>
+          </a:xfrm>
+        </p:spPr>
+      </p:pic>
+      <p:pic>
+        <p:nvPicPr>
+          <p:cNvPr id="10" name="Picture 9" descr="A screenshot of a cell phone&#10;&#10;Description automatically generated">
+            <a:extLst>
+              <a:ext uri="{FF2B5EF4-FFF2-40B4-BE49-F238E27FC236}">
+                <a16:creationId xmlns:a16="http://schemas.microsoft.com/office/drawing/2014/main" id="{EE1DA489-44B5-45E7-B91D-CDC540D9DD1E}"/>
+              </a:ext>
+            </a:extLst>
+          </p:cNvPr>
+          <p:cNvPicPr>
+            <a:picLocks noChangeAspect="1"/>
+          </p:cNvPicPr>
+          <p:nvPr/>
+        </p:nvPicPr>
+        <p:blipFill>
+          <a:blip r:embed="rId3" cstate="print">
+            <a:extLst>
+              <a:ext uri="{28A0092B-C50C-407E-A947-70E740481C1C}">
+                <a14:useLocalDpi xmlns:a14="http://schemas.microsoft.com/office/drawing/2010/main" val="0"/>
+              </a:ext>
+            </a:extLst>
+          </a:blip>
+          <a:stretch>
+            <a:fillRect/>
+          </a:stretch>
+        </p:blipFill>
+        <p:spPr>
+          <a:xfrm>
+            <a:off x="6118479" y="441750"/>
+            <a:ext cx="3021743" cy="5974497"/>
+          </a:xfrm>
+          <a:prstGeom prst="rect">
+            <a:avLst/>
+          </a:prstGeom>
+        </p:spPr>
+      </p:pic>
+    </p:spTree>
+    <p:extLst>
+      <p:ext uri="{BB962C8B-B14F-4D97-AF65-F5344CB8AC3E}">
+        <p14:creationId xmlns:p14="http://schemas.microsoft.com/office/powerpoint/2010/main" val="622127441"/>
+      </p:ext>
+    </p:extLst>
+  </p:cSld>
+  <p:clrMapOvr>
+    <a:masterClrMapping/>
+  </p:clrMapOvr>
+</p:sld>
+</file>
+
+<file path=ppt/slides/slide16.xml><?xml version="1.0" encoding="utf-8"?>
+<p:sld xmlns:a="http://schemas.openxmlformats.org/drawingml/2006/main" xmlns:r="http://schemas.openxmlformats.org/officeDocument/2006/relationships" xmlns:p="http://schemas.openxmlformats.org/presentationml/2006/main">
+  <p:cSld>
+    <p:bg>
+      <p:bgPr>
+        <a:solidFill>
+          <a:schemeClr val="bg1"/>
+        </a:solidFill>
+        <a:effectLst/>
+      </p:bgPr>
+    </p:bg>
+    <p:spTree>
+      <p:nvGrpSpPr>
+        <p:cNvPr id="1" name=""/>
+        <p:cNvGrpSpPr/>
+        <p:nvPr/>
+      </p:nvGrpSpPr>
+      <p:grpSpPr>
+        <a:xfrm>
+          <a:off x="0" y="0"/>
+          <a:ext cx="0" cy="0"/>
+          <a:chOff x="0" y="0"/>
+          <a:chExt cx="0" cy="0"/>
+        </a:xfrm>
+      </p:grpSpPr>
+      <p:sp>
+        <p:nvSpPr>
+          <p:cNvPr id="64" name="Rectangle 63">
+            <a:extLst>
+              <a:ext uri="{FF2B5EF4-FFF2-40B4-BE49-F238E27FC236}">
+                <a16:creationId xmlns:a16="http://schemas.microsoft.com/office/drawing/2014/main" id="{4A8FFEA1-1B69-4F42-B552-0CCF7259687D}"/>
+              </a:ext>
+              <a:ext uri="{C183D7F6-B498-43B3-948B-1728B52AA6E4}">
+                <adec:decorative xmlns:adec="http://schemas.microsoft.com/office/drawing/2017/decorative" val="1"/>
+              </a:ext>
+            </a:extLst>
+          </p:cNvPr>
+          <p:cNvSpPr>
+            <a:spLocks noGrp="1" noRot="1" noChangeAspect="1" noMove="1" noResize="1" noEditPoints="1" noAdjustHandles="1" noChangeArrowheads="1" noChangeShapeType="1" noTextEdit="1"/>
+          </p:cNvSpPr>
+          <p:nvPr>
+            <p:extLst>
+              <p:ext uri="{386F3935-93C4-4BCD-93E2-E3B085C9AB24}">
+                <p16:designElem xmlns:p16="http://schemas.microsoft.com/office/powerpoint/2015/main" val="1"/>
+              </p:ext>
+            </p:extLst>
+          </p:nvPr>
+        </p:nvSpPr>
+        <p:spPr>
+          <a:xfrm>
+            <a:off x="2381" y="6400800"/>
+            <a:ext cx="9141619" cy="457200"/>
+          </a:xfrm>
+          <a:prstGeom prst="rect">
+            <a:avLst/>
+          </a:prstGeom>
+          <a:solidFill>
+            <a:schemeClr val="accent2"/>
+          </a:solidFill>
+          <a:ln>
+            <a:noFill/>
+          </a:ln>
+        </p:spPr>
+        <p:style>
+          <a:lnRef idx="2">
+            <a:schemeClr val="accent1">
+              <a:shade val="50000"/>
+            </a:schemeClr>
+          </a:lnRef>
+          <a:fillRef idx="1">
+            <a:schemeClr val="accent1"/>
+          </a:fillRef>
+          <a:effectRef idx="0">
+            <a:schemeClr val="accent1"/>
+          </a:effectRef>
+          <a:fontRef idx="minor">
+            <a:schemeClr val="lt1"/>
+          </a:fontRef>
+        </p:style>
+      </p:sp>
+      <p:sp>
+        <p:nvSpPr>
+          <p:cNvPr id="66" name="Rectangle 65">
+            <a:extLst>
+              <a:ext uri="{FF2B5EF4-FFF2-40B4-BE49-F238E27FC236}">
+                <a16:creationId xmlns:a16="http://schemas.microsoft.com/office/drawing/2014/main" id="{AA3C9226-5EC8-460B-82D7-72AA994DF95E}"/>
+              </a:ext>
+              <a:ext uri="{C183D7F6-B498-43B3-948B-1728B52AA6E4}">
+                <adec:decorative xmlns:adec="http://schemas.microsoft.com/office/drawing/2017/decorative" val="1"/>
+              </a:ext>
+            </a:extLst>
+          </p:cNvPr>
+          <p:cNvSpPr>
+            <a:spLocks noGrp="1" noRot="1" noChangeAspect="1" noMove="1" noResize="1" noEditPoints="1" noAdjustHandles="1" noChangeArrowheads="1" noChangeShapeType="1" noTextEdit="1"/>
+          </p:cNvSpPr>
+          <p:nvPr>
+            <p:extLst>
+              <p:ext uri="{386F3935-93C4-4BCD-93E2-E3B085C9AB24}">
+                <p16:designElem xmlns:p16="http://schemas.microsoft.com/office/powerpoint/2015/main" val="1"/>
+              </p:ext>
+            </p:extLst>
+          </p:nvPr>
+        </p:nvSpPr>
+        <p:spPr>
+          <a:xfrm>
+            <a:off x="11" y="6334316"/>
+            <a:ext cx="9141619" cy="64008"/>
+          </a:xfrm>
+          <a:prstGeom prst="rect">
+            <a:avLst/>
+          </a:prstGeom>
+          <a:solidFill>
+            <a:schemeClr val="accent1"/>
+          </a:solidFill>
+          <a:ln>
+            <a:noFill/>
+          </a:ln>
+        </p:spPr>
+        <p:style>
+          <a:lnRef idx="2">
+            <a:schemeClr val="accent1">
+              <a:shade val="50000"/>
+            </a:schemeClr>
+          </a:lnRef>
+          <a:fillRef idx="1">
+            <a:schemeClr val="accent1"/>
+          </a:fillRef>
+          <a:effectRef idx="0">
+            <a:schemeClr val="accent1"/>
+          </a:effectRef>
+          <a:fontRef idx="minor">
+            <a:schemeClr val="lt1"/>
+          </a:fontRef>
+        </p:style>
+      </p:sp>
+      <p:cxnSp>
+        <p:nvCxnSpPr>
+          <p:cNvPr id="68" name="Straight Connector 67">
+            <a:extLst>
+              <a:ext uri="{FF2B5EF4-FFF2-40B4-BE49-F238E27FC236}">
+                <a16:creationId xmlns:a16="http://schemas.microsoft.com/office/drawing/2014/main" id="{62A90A9D-33DF-408E-BF4C-F82588935C96}"/>
+              </a:ext>
+              <a:ext uri="{C183D7F6-B498-43B3-948B-1728B52AA6E4}">
+                <adec:decorative xmlns:adec="http://schemas.microsoft.com/office/drawing/2017/decorative" val="1"/>
+              </a:ext>
+            </a:extLst>
+          </p:cNvPr>
+          <p:cNvCxnSpPr>
+            <a:cxnSpLocks noGrp="1" noRot="1" noChangeAspect="1" noMove="1" noResize="1" noEditPoints="1" noAdjustHandles="1" noChangeArrowheads="1" noChangeShapeType="1"/>
+          </p:cNvCxnSpPr>
+          <p:nvPr>
+            <p:extLst>
+              <p:ext uri="{386F3935-93C4-4BCD-93E2-E3B085C9AB24}">
+                <p16:designElem xmlns:p16="http://schemas.microsoft.com/office/powerpoint/2015/main" val="1"/>
+              </p:ext>
+            </p:extLst>
+          </p:nvPr>
+        </p:nvCxnSpPr>
+        <p:spPr>
+          <a:xfrm>
+            <a:off x="905743" y="4343400"/>
+            <a:ext cx="7406640" cy="0"/>
+          </a:xfrm>
+          <a:prstGeom prst="line">
+            <a:avLst/>
+          </a:prstGeom>
+          <a:ln w="6350">
+            <a:solidFill>
+              <a:schemeClr val="tx1">
+                <a:lumMod val="50000"/>
+                <a:lumOff val="50000"/>
+              </a:schemeClr>
+            </a:solidFill>
+          </a:ln>
+        </p:spPr>
+        <p:style>
+          <a:lnRef idx="1">
+            <a:schemeClr val="accent1"/>
+          </a:lnRef>
+          <a:fillRef idx="0">
+            <a:schemeClr val="accent1"/>
+          </a:fillRef>
+          <a:effectRef idx="0">
+            <a:schemeClr val="accent1"/>
+          </a:effectRef>
+          <a:fontRef idx="minor">
+            <a:schemeClr val="tx1"/>
+          </a:fontRef>
+        </p:style>
+      </p:cxnSp>
+      <p:sp useBgFill="1">
+        <p:nvSpPr>
+          <p:cNvPr id="70" name="Rectangle 69">
+            <a:extLst>
+              <a:ext uri="{FF2B5EF4-FFF2-40B4-BE49-F238E27FC236}">
+                <a16:creationId xmlns:a16="http://schemas.microsoft.com/office/drawing/2014/main" id="{3C6B623D-A3E9-460F-9A5B-2F0FE253BF13}"/>
+              </a:ext>
+              <a:ext uri="{C183D7F6-B498-43B3-948B-1728B52AA6E4}">
+                <adec:decorative xmlns:adec="http://schemas.microsoft.com/office/drawing/2017/decorative" val="1"/>
+              </a:ext>
+            </a:extLst>
+          </p:cNvPr>
+          <p:cNvSpPr>
+            <a:spLocks noGrp="1" noRot="1" noChangeAspect="1" noMove="1" noResize="1" noEditPoints="1" noAdjustHandles="1" noChangeArrowheads="1" noChangeShapeType="1" noTextEdit="1"/>
+          </p:cNvSpPr>
+          <p:nvPr>
+            <p:extLst>
+              <p:ext uri="{386F3935-93C4-4BCD-93E2-E3B085C9AB24}">
+                <p16:designElem xmlns:p16="http://schemas.microsoft.com/office/powerpoint/2015/main" val="1"/>
+              </p:ext>
+            </p:extLst>
+          </p:nvPr>
+        </p:nvSpPr>
+        <p:spPr>
+          <a:xfrm>
+            <a:off x="0" y="0"/>
+            <a:ext cx="9144000" cy="6334316"/>
+          </a:xfrm>
+          <a:prstGeom prst="rect">
+            <a:avLst/>
+          </a:prstGeom>
+          <a:ln>
+            <a:noFill/>
+          </a:ln>
+        </p:spPr>
+        <p:style>
+          <a:lnRef idx="2">
+            <a:schemeClr val="accent1">
+              <a:shade val="50000"/>
+            </a:schemeClr>
+          </a:lnRef>
+          <a:fillRef idx="1">
+            <a:schemeClr val="accent1"/>
+          </a:fillRef>
+          <a:effectRef idx="0">
+            <a:schemeClr val="accent1"/>
+          </a:effectRef>
+          <a:fontRef idx="minor">
+            <a:schemeClr val="lt1"/>
+          </a:fontRef>
+        </p:style>
+        <p:txBody>
+          <a:bodyPr rtlCol="0" anchor="ctr"/>
+          <a:lstStyle/>
+          <a:p>
+            <a:pPr algn="ctr"/>
+            <a:endParaRPr lang="en-US"/>
+          </a:p>
+        </p:txBody>
+      </p:sp>
+      <p:sp>
+        <p:nvSpPr>
+          <p:cNvPr id="2" name="Title 1">
+            <a:extLst>
+              <a:ext uri="{FF2B5EF4-FFF2-40B4-BE49-F238E27FC236}">
+                <a16:creationId xmlns:a16="http://schemas.microsoft.com/office/drawing/2014/main" id="{817E9E44-1D94-4F6F-B726-EA578A9B2328}"/>
+              </a:ext>
+            </a:extLst>
+          </p:cNvPr>
+          <p:cNvSpPr>
+            <a:spLocks noGrp="1"/>
+          </p:cNvSpPr>
+          <p:nvPr>
+            <p:ph type="title"/>
+          </p:nvPr>
+        </p:nvSpPr>
+        <p:spPr>
+          <a:xfrm>
+            <a:off x="1" y="5322733"/>
+            <a:ext cx="9141618" cy="1057655"/>
+          </a:xfrm>
+        </p:spPr>
+        <p:txBody>
+          <a:bodyPr vert="horz" lIns="91440" tIns="45720" rIns="91440" bIns="45720" rtlCol="0" anchor="b">
+            <a:normAutofit/>
+          </a:bodyPr>
+          <a:lstStyle/>
+          <a:p>
+            <a:pPr algn="ctr"/>
+            <a:r>
+              <a:rPr lang="en-US" sz="4400" dirty="0">
+                <a:solidFill>
+                  <a:schemeClr val="tx1">
+                    <a:lumMod val="85000"/>
+                    <a:lumOff val="15000"/>
+                  </a:schemeClr>
+                </a:solidFill>
+              </a:rPr>
+              <a:t>Revised account page – desktop version</a:t>
+            </a:r>
+          </a:p>
+        </p:txBody>
+      </p:sp>
+      <p:cxnSp>
+        <p:nvCxnSpPr>
+          <p:cNvPr id="72" name="Straight Connector 71">
+            <a:extLst>
+              <a:ext uri="{FF2B5EF4-FFF2-40B4-BE49-F238E27FC236}">
+                <a16:creationId xmlns:a16="http://schemas.microsoft.com/office/drawing/2014/main" id="{B355BF7B-E19B-478B-8187-8EF57F4F91DC}"/>
+              </a:ext>
+              <a:ext uri="{C183D7F6-B498-43B3-948B-1728B52AA6E4}">
+                <adec:decorative xmlns:adec="http://schemas.microsoft.com/office/drawing/2017/decorative" val="1"/>
+              </a:ext>
+            </a:extLst>
+          </p:cNvPr>
+          <p:cNvCxnSpPr>
+            <a:cxnSpLocks noGrp="1" noRot="1" noChangeAspect="1" noMove="1" noResize="1" noEditPoints="1" noAdjustHandles="1" noChangeArrowheads="1" noChangeShapeType="1"/>
+          </p:cNvCxnSpPr>
+          <p:nvPr>
+            <p:extLst>
+              <p:ext uri="{386F3935-93C4-4BCD-93E2-E3B085C9AB24}">
+                <p16:designElem xmlns:p16="http://schemas.microsoft.com/office/powerpoint/2015/main" val="1"/>
+              </p:ext>
+            </p:extLst>
+          </p:nvPr>
+        </p:nvCxnSpPr>
+        <p:spPr>
+          <a:xfrm>
+            <a:off x="540814" y="5618770"/>
+            <a:ext cx="7886700" cy="0"/>
+          </a:xfrm>
+          <a:prstGeom prst="line">
+            <a:avLst/>
+          </a:prstGeom>
+          <a:ln w="6350">
+            <a:solidFill>
+              <a:schemeClr val="tx2">
+                <a:alpha val="90000"/>
+              </a:schemeClr>
+            </a:solidFill>
+          </a:ln>
+        </p:spPr>
+        <p:style>
+          <a:lnRef idx="1">
+            <a:schemeClr val="accent1"/>
+          </a:lnRef>
+          <a:fillRef idx="0">
+            <a:schemeClr val="accent1"/>
+          </a:fillRef>
+          <a:effectRef idx="0">
+            <a:schemeClr val="accent1"/>
+          </a:effectRef>
+          <a:fontRef idx="minor">
+            <a:schemeClr val="tx1"/>
+          </a:fontRef>
+        </p:style>
+      </p:cxnSp>
+      <p:sp>
+        <p:nvSpPr>
+          <p:cNvPr id="74" name="Rectangle 73">
+            <a:extLst>
+              <a:ext uri="{FF2B5EF4-FFF2-40B4-BE49-F238E27FC236}">
+                <a16:creationId xmlns:a16="http://schemas.microsoft.com/office/drawing/2014/main" id="{AEABC29F-F82F-4902-B701-8FEEE414FE14}"/>
+              </a:ext>
+              <a:ext uri="{C183D7F6-B498-43B3-948B-1728B52AA6E4}">
+                <adec:decorative xmlns:adec="http://schemas.microsoft.com/office/drawing/2017/decorative" val="1"/>
+              </a:ext>
+            </a:extLst>
+          </p:cNvPr>
+          <p:cNvSpPr>
+            <a:spLocks noGrp="1" noRot="1" noChangeAspect="1" noMove="1" noResize="1" noEditPoints="1" noAdjustHandles="1" noChangeArrowheads="1" noChangeShapeType="1" noTextEdit="1"/>
+          </p:cNvSpPr>
+          <p:nvPr>
+            <p:extLst>
+              <p:ext uri="{386F3935-93C4-4BCD-93E2-E3B085C9AB24}">
+                <p16:designElem xmlns:p16="http://schemas.microsoft.com/office/powerpoint/2015/main" val="1"/>
+              </p:ext>
+            </p:extLst>
+          </p:nvPr>
+        </p:nvSpPr>
+        <p:spPr>
+          <a:xfrm>
+            <a:off x="11" y="6334316"/>
+            <a:ext cx="9143989" cy="66484"/>
+          </a:xfrm>
+          <a:prstGeom prst="rect">
+            <a:avLst/>
+          </a:prstGeom>
+          <a:solidFill>
+            <a:schemeClr val="accent1"/>
+          </a:solidFill>
+          <a:ln>
+            <a:noFill/>
+          </a:ln>
+        </p:spPr>
+        <p:style>
+          <a:lnRef idx="2">
+            <a:schemeClr val="accent1">
+              <a:shade val="50000"/>
+            </a:schemeClr>
+          </a:lnRef>
+          <a:fillRef idx="1">
+            <a:schemeClr val="accent1"/>
+          </a:fillRef>
+          <a:effectRef idx="0">
+            <a:schemeClr val="accent1"/>
+          </a:effectRef>
+          <a:fontRef idx="minor">
+            <a:schemeClr val="lt1"/>
+          </a:fontRef>
+        </p:style>
+      </p:sp>
+      <p:sp>
+        <p:nvSpPr>
+          <p:cNvPr id="76" name="Rectangle 75">
+            <a:extLst>
+              <a:ext uri="{FF2B5EF4-FFF2-40B4-BE49-F238E27FC236}">
+                <a16:creationId xmlns:a16="http://schemas.microsoft.com/office/drawing/2014/main" id="{D75BDCBB-0B1A-4AA1-B47F-DBDB642467AA}"/>
+              </a:ext>
+              <a:ext uri="{C183D7F6-B498-43B3-948B-1728B52AA6E4}">
+                <adec:decorative xmlns:adec="http://schemas.microsoft.com/office/drawing/2017/decorative" val="1"/>
+              </a:ext>
+            </a:extLst>
+          </p:cNvPr>
+          <p:cNvSpPr>
+            <a:spLocks noGrp="1" noRot="1" noChangeAspect="1" noMove="1" noResize="1" noEditPoints="1" noAdjustHandles="1" noChangeArrowheads="1" noChangeShapeType="1" noTextEdit="1"/>
+          </p:cNvSpPr>
+          <p:nvPr>
+            <p:extLst>
+              <p:ext uri="{386F3935-93C4-4BCD-93E2-E3B085C9AB24}">
+                <p16:designElem xmlns:p16="http://schemas.microsoft.com/office/powerpoint/2015/main" val="1"/>
+              </p:ext>
+            </p:extLst>
+          </p:nvPr>
+        </p:nvSpPr>
+        <p:spPr>
+          <a:xfrm>
+            <a:off x="0" y="6400800"/>
+            <a:ext cx="9144000" cy="457200"/>
+          </a:xfrm>
+          <a:prstGeom prst="rect">
+            <a:avLst/>
+          </a:prstGeom>
+          <a:solidFill>
+            <a:schemeClr val="accent2"/>
+          </a:solidFill>
+          <a:ln>
+            <a:noFill/>
+          </a:ln>
+        </p:spPr>
+        <p:style>
+          <a:lnRef idx="2">
+            <a:schemeClr val="accent1">
+              <a:shade val="50000"/>
+            </a:schemeClr>
+          </a:lnRef>
+          <a:fillRef idx="1">
+            <a:schemeClr val="accent1"/>
+          </a:fillRef>
+          <a:effectRef idx="0">
+            <a:schemeClr val="accent1"/>
+          </a:effectRef>
+          <a:fontRef idx="minor">
+            <a:schemeClr val="lt1"/>
+          </a:fontRef>
+        </p:style>
+      </p:sp>
+      <p:pic>
+        <p:nvPicPr>
+          <p:cNvPr id="7" name="Picture 6" descr="A screenshot of a cell phone&#10;&#10;Description automatically generated">
+            <a:extLst>
+              <a:ext uri="{FF2B5EF4-FFF2-40B4-BE49-F238E27FC236}">
+                <a16:creationId xmlns:a16="http://schemas.microsoft.com/office/drawing/2014/main" id="{B356F548-96C5-4478-BE3C-60C0441C1A38}"/>
+              </a:ext>
+            </a:extLst>
+          </p:cNvPr>
+          <p:cNvPicPr>
+            <a:picLocks noChangeAspect="1"/>
+          </p:cNvPicPr>
+          <p:nvPr/>
+        </p:nvPicPr>
+        <p:blipFill>
+          <a:blip r:embed="rId2">
+            <a:extLst>
+              <a:ext uri="{28A0092B-C50C-407E-A947-70E740481C1C}">
+                <a14:useLocalDpi xmlns:a14="http://schemas.microsoft.com/office/drawing/2010/main" val="0"/>
+              </a:ext>
+            </a:extLst>
+          </a:blip>
+          <a:stretch>
+            <a:fillRect/>
+          </a:stretch>
+        </p:blipFill>
+        <p:spPr>
+          <a:xfrm>
+            <a:off x="792786" y="60084"/>
+            <a:ext cx="7556048" cy="5478134"/>
+          </a:xfrm>
+          <a:prstGeom prst="rect">
+            <a:avLst/>
+          </a:prstGeom>
+        </p:spPr>
+      </p:pic>
+    </p:spTree>
+    <p:extLst>
+      <p:ext uri="{BB962C8B-B14F-4D97-AF65-F5344CB8AC3E}">
+        <p14:creationId xmlns:p14="http://schemas.microsoft.com/office/powerpoint/2010/main" val="1111425851"/>
+      </p:ext>
+    </p:extLst>
+  </p:cSld>
+  <p:clrMapOvr>
+    <a:masterClrMapping/>
+  </p:clrMapOvr>
+</p:sld>
+</file>
+
 <file path=ppt/slides/slide2.xml><?xml version="1.0" encoding="utf-8"?>
 <p:sld xmlns:a="http://schemas.openxmlformats.org/drawingml/2006/main" xmlns:r="http://schemas.openxmlformats.org/officeDocument/2006/relationships" xmlns:p="http://schemas.openxmlformats.org/presentationml/2006/main">
   <p:cSld>
